--- a/Ihtiobet!.pptx
+++ b/Ihtiobet!.pptx
@@ -11,7 +11,8 @@
     <p:sldId id="259" r:id="rId5"/>
     <p:sldId id="260" r:id="rId6"/>
     <p:sldId id="261" r:id="rId7"/>
-    <p:sldId id="262" r:id="rId8"/>
+    <p:sldId id="263" r:id="rId8"/>
+    <p:sldId id="262" r:id="rId9"/>
   </p:sldIdLst>
   <p:sldSz cx="12192000" cy="6858000"/>
   <p:notesSz cx="6858000" cy="9144000"/>
@@ -110,6 +111,11 @@
       </a:defRPr>
     </a:lvl9pPr>
   </p:defaultTextStyle>
+  <p:extLst>
+    <p:ext uri="{EFAFB233-063F-42B5-8137-9DF3F51BA10A}">
+      <p15:sldGuideLst xmlns:p15="http://schemas.microsoft.com/office/powerpoint/2012/main"/>
+    </p:ext>
+  </p:extLst>
 </p:presentation>
 </file>
 
@@ -13422,13 +13428,13 @@
   <p:clrMapOvr>
     <a:masterClrMapping/>
   </p:clrMapOvr>
-  <mc:AlternateContent xmlns:mc="http://schemas.openxmlformats.org/markup-compatibility/2006">
-    <mc:Choice xmlns:p15="http://schemas.microsoft.com/office/powerpoint/2012/main" Requires="p15">
+  <mc:AlternateContent xmlns:mc="http://schemas.openxmlformats.org/markup-compatibility/2006" xmlns:p15="http://schemas.microsoft.com/office/powerpoint/2012/main">
+    <mc:Choice Requires="p15">
       <p:transition xmlns:p14="http://schemas.microsoft.com/office/powerpoint/2010/main" spd="slow" p14:dur="2000">
         <p15:prstTrans prst="drape"/>
       </p:transition>
     </mc:Choice>
-    <mc:Fallback>
+    <mc:Fallback xmlns="">
       <p:transition spd="slow">
         <p:fade/>
       </p:transition>
@@ -13575,13 +13581,13 @@
   <p:clrMapOvr>
     <a:masterClrMapping/>
   </p:clrMapOvr>
-  <mc:AlternateContent xmlns:mc="http://schemas.openxmlformats.org/markup-compatibility/2006">
-    <mc:Choice xmlns:p14="http://schemas.microsoft.com/office/powerpoint/2010/main" Requires="p14">
+  <mc:AlternateContent xmlns:mc="http://schemas.openxmlformats.org/markup-compatibility/2006" xmlns:p14="http://schemas.microsoft.com/office/powerpoint/2010/main">
+    <mc:Choice Requires="p14">
       <p:transition spd="slow" p14:dur="800">
         <p:circle/>
       </p:transition>
     </mc:Choice>
-    <mc:Fallback>
+    <mc:Fallback xmlns="">
       <p:transition spd="slow">
         <p:circle/>
       </p:transition>
@@ -13750,13 +13756,13 @@
   <p:clrMapOvr>
     <a:masterClrMapping/>
   </p:clrMapOvr>
-  <mc:AlternateContent xmlns:mc="http://schemas.openxmlformats.org/markup-compatibility/2006">
-    <mc:Choice xmlns:p14="http://schemas.microsoft.com/office/powerpoint/2010/main" Requires="p14">
+  <mc:AlternateContent xmlns:mc="http://schemas.openxmlformats.org/markup-compatibility/2006" xmlns:p14="http://schemas.microsoft.com/office/powerpoint/2010/main">
+    <mc:Choice Requires="p14">
       <p:transition spd="slow" p14:dur="4000">
         <p14:vortex dir="r"/>
       </p:transition>
     </mc:Choice>
-    <mc:Fallback>
+    <mc:Fallback xmlns="">
       <p:transition spd="slow">
         <p:fade/>
       </p:transition>
@@ -13914,13 +13920,13 @@
   <p:clrMapOvr>
     <a:masterClrMapping/>
   </p:clrMapOvr>
-  <mc:AlternateContent xmlns:mc="http://schemas.openxmlformats.org/markup-compatibility/2006">
-    <mc:Choice xmlns:p14="http://schemas.microsoft.com/office/powerpoint/2010/main" Requires="p14">
+  <mc:AlternateContent xmlns:mc="http://schemas.openxmlformats.org/markup-compatibility/2006" xmlns:p14="http://schemas.microsoft.com/office/powerpoint/2010/main">
+    <mc:Choice Requires="p14">
       <p:transition spd="slow" p14:dur="3000">
         <p14:shred/>
       </p:transition>
     </mc:Choice>
-    <mc:Fallback>
+    <mc:Fallback xmlns="">
       <p:transition spd="slow">
         <p:fade/>
       </p:transition>
@@ -14074,13 +14080,13 @@
   <p:clrMapOvr>
     <a:masterClrMapping/>
   </p:clrMapOvr>
-  <mc:AlternateContent xmlns:mc="http://schemas.openxmlformats.org/markup-compatibility/2006">
-    <mc:Choice xmlns:p15="http://schemas.microsoft.com/office/powerpoint/2012/main" Requires="p15">
+  <mc:AlternateContent xmlns:mc="http://schemas.openxmlformats.org/markup-compatibility/2006" xmlns:p15="http://schemas.microsoft.com/office/powerpoint/2012/main">
+    <mc:Choice Requires="p15">
       <p:transition xmlns:p14="http://schemas.microsoft.com/office/powerpoint/2010/main" spd="slow" p14:dur="6000">
         <p15:prstTrans prst="curtains"/>
       </p:transition>
     </mc:Choice>
-    <mc:Fallback>
+    <mc:Fallback xmlns="">
       <p:transition spd="slow">
         <p:fade/>
       </p:transition>
@@ -14262,13 +14268,13 @@
   <p:clrMapOvr>
     <a:masterClrMapping/>
   </p:clrMapOvr>
-  <mc:AlternateContent xmlns:mc="http://schemas.openxmlformats.org/markup-compatibility/2006">
-    <mc:Choice xmlns:p15="http://schemas.microsoft.com/office/powerpoint/2012/main" Requires="p15">
+  <mc:AlternateContent xmlns:mc="http://schemas.openxmlformats.org/markup-compatibility/2006" xmlns:p15="http://schemas.microsoft.com/office/powerpoint/2012/main">
+    <mc:Choice Requires="p15">
       <p:transition xmlns:p14="http://schemas.microsoft.com/office/powerpoint/2010/main" spd="slow" p14:dur="3250">
         <p15:prstTrans prst="origami"/>
       </p:transition>
     </mc:Choice>
-    <mc:Fallback>
+    <mc:Fallback xmlns="">
       <p:transition spd="slow">
         <p:fade/>
       </p:transition>
@@ -14318,7 +14324,164 @@
           <a:p>
             <a:r>
               <a:rPr lang="ru-RU" dirty="0" smtClean="0"/>
-              <a:t>До свидания</a:t>
+              <a:t>А если серьезно(это не для нас)</a:t>
+            </a:r>
+            <a:endParaRPr lang="ru-RU" dirty="0"/>
+          </a:p>
+        </p:txBody>
+      </p:sp>
+      <p:sp>
+        <p:nvSpPr>
+          <p:cNvPr id="3" name="Объект 2"/>
+          <p:cNvSpPr>
+            <a:spLocks noGrp="1"/>
+          </p:cNvSpPr>
+          <p:nvPr>
+            <p:ph idx="1"/>
+          </p:nvPr>
+        </p:nvSpPr>
+        <p:spPr/>
+        <p:txBody>
+          <a:bodyPr/>
+          <a:lstStyle/>
+          <a:p>
+            <a:pPr marL="0" indent="0">
+              <a:buNone/>
+            </a:pPr>
+            <a:r>
+              <a:rPr lang="ru-RU" dirty="0" smtClean="0"/>
+              <a:t>Проект использует:</a:t>
+            </a:r>
+            <a:endParaRPr lang="en-US" dirty="0" smtClean="0"/>
+          </a:p>
+          <a:p>
+            <a:r>
+              <a:rPr lang="en-US" dirty="0" smtClean="0"/>
+              <a:t>Flask</a:t>
+            </a:r>
+          </a:p>
+          <a:p>
+            <a:r>
+              <a:rPr lang="en-US" dirty="0" smtClean="0"/>
+              <a:t>Flask-Restful</a:t>
+            </a:r>
+          </a:p>
+          <a:p>
+            <a:r>
+              <a:rPr lang="en-US" dirty="0" err="1" smtClean="0"/>
+              <a:t>SqlAlchemy</a:t>
+            </a:r>
+            <a:r>
+              <a:rPr lang="en-US" dirty="0" smtClean="0"/>
+              <a:t>(based on SQLite3)</a:t>
+            </a:r>
+          </a:p>
+          <a:p>
+            <a:r>
+              <a:rPr lang="en-US" dirty="0" smtClean="0"/>
+              <a:t>JavaScript</a:t>
+            </a:r>
+          </a:p>
+          <a:p>
+            <a:r>
+              <a:rPr lang="en-US" dirty="0" err="1" smtClean="0"/>
+              <a:t>Html+Css</a:t>
+            </a:r>
+            <a:endParaRPr lang="en-US" dirty="0" smtClean="0"/>
+          </a:p>
+          <a:p>
+            <a:pPr marL="0" indent="0">
+              <a:buNone/>
+            </a:pPr>
+            <a:r>
+              <a:rPr lang="ru-RU" dirty="0" smtClean="0"/>
+              <a:t>Сайт – </a:t>
+            </a:r>
+            <a:r>
+              <a:rPr lang="ru-RU" dirty="0" err="1" smtClean="0"/>
+              <a:t>фармилка</a:t>
+            </a:r>
+            <a:r>
+              <a:rPr lang="ru-RU" dirty="0" smtClean="0"/>
+              <a:t> </a:t>
+            </a:r>
+            <a:r>
+              <a:rPr lang="en-US" dirty="0" err="1" smtClean="0"/>
+              <a:t>nft</a:t>
+            </a:r>
+            <a:r>
+              <a:rPr lang="en-US" dirty="0" smtClean="0"/>
+              <a:t> </a:t>
+            </a:r>
+            <a:r>
+              <a:rPr lang="ru-RU" dirty="0" smtClean="0"/>
+              <a:t>рыб с кейсами, есть много возможностей.</a:t>
+            </a:r>
+            <a:endParaRPr lang="ru-RU" dirty="0"/>
+          </a:p>
+        </p:txBody>
+      </p:sp>
+    </p:spTree>
+    <p:extLst>
+      <p:ext uri="{BB962C8B-B14F-4D97-AF65-F5344CB8AC3E}">
+        <p14:creationId xmlns:p14="http://schemas.microsoft.com/office/powerpoint/2010/main" val="2383995960"/>
+      </p:ext>
+    </p:extLst>
+  </p:cSld>
+  <p:clrMapOvr>
+    <a:masterClrMapping/>
+  </p:clrMapOvr>
+</p:sld>
+</file>
+
+<file path=ppt/slides/slide8.xml><?xml version="1.0" encoding="utf-8"?>
+<p:sld xmlns:a="http://schemas.openxmlformats.org/drawingml/2006/main" xmlns:r="http://schemas.openxmlformats.org/officeDocument/2006/relationships" xmlns:p="http://schemas.openxmlformats.org/presentationml/2006/main">
+  <p:cSld>
+    <p:spTree>
+      <p:nvGrpSpPr>
+        <p:cNvPr id="1" name=""/>
+        <p:cNvGrpSpPr/>
+        <p:nvPr/>
+      </p:nvGrpSpPr>
+      <p:grpSpPr>
+        <a:xfrm>
+          <a:off x="0" y="0"/>
+          <a:ext cx="0" cy="0"/>
+          <a:chOff x="0" y="0"/>
+          <a:chExt cx="0" cy="0"/>
+        </a:xfrm>
+      </p:grpSpPr>
+      <p:sp>
+        <p:nvSpPr>
+          <p:cNvPr id="2" name="Заголовок 1"/>
+          <p:cNvSpPr>
+            <a:spLocks noGrp="1"/>
+          </p:cNvSpPr>
+          <p:nvPr>
+            <p:ph type="title"/>
+          </p:nvPr>
+        </p:nvSpPr>
+        <p:spPr>
+          <a:xfrm>
+            <a:off x="1154954" y="973668"/>
+            <a:ext cx="10565991" cy="706964"/>
+          </a:xfrm>
+        </p:spPr>
+        <p:txBody>
+          <a:bodyPr/>
+          <a:lstStyle/>
+          <a:p>
+            <a:r>
+              <a:rPr lang="ru-RU" dirty="0" smtClean="0"/>
+              <a:t>До </a:t>
+            </a:r>
+            <a:r>
+              <a:rPr lang="ru-RU" dirty="0" smtClean="0"/>
+              <a:t>свидания          Ссылка: </a:t>
+            </a:r>
+            <a:r>
+              <a:rPr lang="en-US" dirty="0" smtClean="0"/>
+              <a:t>yl.paradox39.ru</a:t>
             </a:r>
             <a:endParaRPr lang="ru-RU" dirty="0"/>
           </a:p>
@@ -14364,13 +14527,13 @@
   <p:clrMapOvr>
     <a:masterClrMapping/>
   </p:clrMapOvr>
-  <mc:AlternateContent xmlns:mc="http://schemas.openxmlformats.org/markup-compatibility/2006">
-    <mc:Choice xmlns:p14="http://schemas.microsoft.com/office/powerpoint/2010/main" Requires="p14">
+  <mc:AlternateContent xmlns:mc="http://schemas.openxmlformats.org/markup-compatibility/2006" xmlns:p14="http://schemas.microsoft.com/office/powerpoint/2010/main">
+    <mc:Choice Requires="p14">
       <p:transition spd="slow" p14:dur="1400">
         <p14:doors dir="vert"/>
       </p:transition>
     </mc:Choice>
-    <mc:Fallback>
+    <mc:Fallback xmlns="">
       <p:transition spd="slow">
         <p:fade/>
       </p:transition>
